--- a/slides/parallelism/understanding_parallelism_birthday_party.pptx
+++ b/slides/parallelism/understanding_parallelism_birthday_party.pptx
@@ -26,6 +26,7 @@
     <p:sldId id="271" r:id="rId20"/>
     <p:sldId id="263" r:id="rId21"/>
     <p:sldId id="278" r:id="rId22"/>
+    <p:sldId id="281" r:id="rId23"/>
   </p:sldIdLst>
   <p:sldSz cx="12192000" cy="6858000"/>
   <p:notesSz cx="6858000" cy="9144000"/>
@@ -3638,7 +3639,7 @@
             <a:r>
               <a:rPr lang="en-US" sz="2800" b="1" dirty="0">
                 <a:solidFill>
-                  <a:srgbClr val="0070C0"/>
+                  <a:srgbClr val="002060"/>
                 </a:solidFill>
               </a:rPr>
               <a:t>234 minutes </a:t>
@@ -3646,7 +3647,7 @@
             <a:r>
               <a:rPr lang="en-US" sz="2800" dirty="0">
                 <a:solidFill>
-                  <a:srgbClr val="0070C0"/>
+                  <a:srgbClr val="002060"/>
                 </a:solidFill>
               </a:rPr>
               <a:t>reduced to </a:t>
@@ -3654,7 +3655,7 @@
             <a:r>
               <a:rPr lang="en-US" sz="2800" b="1" dirty="0">
                 <a:solidFill>
-                  <a:srgbClr val="0070C0"/>
+                  <a:srgbClr val="002060"/>
                 </a:solidFill>
               </a:rPr>
               <a:t>24 minutes</a:t>
@@ -5033,7 +5034,7 @@
             <a:r>
               <a:rPr lang="en-US" sz="2800" b="1" dirty="0">
                 <a:solidFill>
-                  <a:srgbClr val="0070C0"/>
+                  <a:srgbClr val="002060"/>
                 </a:solidFill>
               </a:rPr>
               <a:t>234 minutes </a:t>
@@ -5041,7 +5042,7 @@
             <a:r>
               <a:rPr lang="en-US" sz="2800" dirty="0">
                 <a:solidFill>
-                  <a:srgbClr val="0070C0"/>
+                  <a:srgbClr val="002060"/>
                 </a:solidFill>
               </a:rPr>
               <a:t>reduced to </a:t>
@@ -5049,7 +5050,7 @@
             <a:r>
               <a:rPr lang="en-US" sz="2800" b="1" dirty="0">
                 <a:solidFill>
-                  <a:srgbClr val="0070C0"/>
+                  <a:srgbClr val="002060"/>
                 </a:solidFill>
               </a:rPr>
               <a:t>3 minutes</a:t>
@@ -8792,6 +8793,158 @@
     <p:extLst>
       <p:ext uri="{BB962C8B-B14F-4D97-AF65-F5344CB8AC3E}">
         <p14:creationId xmlns:p14="http://schemas.microsoft.com/office/powerpoint/2010/main" val="886294674"/>
+      </p:ext>
+    </p:extLst>
+  </p:cSld>
+  <p:clrMapOvr>
+    <a:masterClrMapping/>
+  </p:clrMapOvr>
+</p:sld>
+</file>
+
+<file path=ppt/slides/slide22.xml><?xml version="1.0" encoding="utf-8"?>
+<p:sld xmlns:a="http://schemas.openxmlformats.org/drawingml/2006/main" xmlns:r="http://schemas.openxmlformats.org/officeDocument/2006/relationships" xmlns:p="http://schemas.openxmlformats.org/presentationml/2006/main">
+  <p:cSld>
+    <p:spTree>
+      <p:nvGrpSpPr>
+        <p:cNvPr id="1" name=""/>
+        <p:cNvGrpSpPr/>
+        <p:nvPr/>
+      </p:nvGrpSpPr>
+      <p:grpSpPr>
+        <a:xfrm>
+          <a:off x="0" y="0"/>
+          <a:ext cx="0" cy="0"/>
+          <a:chOff x="0" y="0"/>
+          <a:chExt cx="0" cy="0"/>
+        </a:xfrm>
+      </p:grpSpPr>
+      <p:sp>
+        <p:nvSpPr>
+          <p:cNvPr id="2" name="Title 1">
+            <a:extLst>
+              <a:ext uri="{FF2B5EF4-FFF2-40B4-BE49-F238E27FC236}">
+                <a16:creationId xmlns:a16="http://schemas.microsoft.com/office/drawing/2014/main" id="{41769DCC-362B-034D-8F27-FD123F2A7D73}"/>
+              </a:ext>
+            </a:extLst>
+          </p:cNvPr>
+          <p:cNvSpPr>
+            <a:spLocks noGrp="1"/>
+          </p:cNvSpPr>
+          <p:nvPr>
+            <p:ph type="ctrTitle"/>
+          </p:nvPr>
+        </p:nvSpPr>
+        <p:spPr>
+          <a:xfrm>
+            <a:off x="1384853" y="416684"/>
+            <a:ext cx="9144000" cy="487777"/>
+          </a:xfrm>
+        </p:spPr>
+        <p:txBody>
+          <a:bodyPr>
+            <a:noAutofit/>
+          </a:bodyPr>
+          <a:lstStyle/>
+          <a:p>
+            <a:r>
+              <a:rPr lang="en-US" sz="3600" b="1" dirty="0"/>
+              <a:t>References</a:t>
+            </a:r>
+          </a:p>
+        </p:txBody>
+      </p:sp>
+      <p:sp>
+        <p:nvSpPr>
+          <p:cNvPr id="3" name="Subtitle 2">
+            <a:extLst>
+              <a:ext uri="{FF2B5EF4-FFF2-40B4-BE49-F238E27FC236}">
+                <a16:creationId xmlns:a16="http://schemas.microsoft.com/office/drawing/2014/main" id="{333A605A-59EC-A746-9EB4-C68EDC360351}"/>
+              </a:ext>
+            </a:extLst>
+          </p:cNvPr>
+          <p:cNvSpPr>
+            <a:spLocks noGrp="1"/>
+          </p:cNvSpPr>
+          <p:nvPr>
+            <p:ph type="subTitle" idx="1"/>
+          </p:nvPr>
+        </p:nvSpPr>
+        <p:spPr>
+          <a:xfrm>
+            <a:off x="863047" y="1093303"/>
+            <a:ext cx="10465905" cy="4810539"/>
+          </a:xfrm>
+        </p:spPr>
+        <p:txBody>
+          <a:bodyPr>
+            <a:noAutofit/>
+          </a:bodyPr>
+          <a:lstStyle/>
+          <a:p>
+            <a:pPr marL="342900" indent="-342900" algn="l">
+              <a:buFont typeface="Arial" panose="020B0604020202020204" pitchFamily="34" charset="0"/>
+              <a:buChar char="•"/>
+            </a:pPr>
+            <a:r>
+              <a:rPr lang="en-US" dirty="0"/>
+              <a:t>Introduction to Parallel Computing</a:t>
+            </a:r>
+          </a:p>
+          <a:p>
+            <a:pPr marL="800100" lvl="1" indent="-342900" algn="l">
+              <a:buFont typeface="Arial" panose="020B0604020202020204" pitchFamily="34" charset="0"/>
+              <a:buChar char="•"/>
+            </a:pPr>
+            <a:r>
+              <a:rPr lang="en-US" dirty="0">
+                <a:hlinkClick r:id="rId2"/>
+              </a:rPr>
+              <a:t>https://www.geeksforgeeks.org/introduction-to-parallel-computing/</a:t>
+            </a:r>
+            <a:endParaRPr lang="en-US" dirty="0"/>
+          </a:p>
+          <a:p>
+            <a:pPr marL="800100" lvl="1" indent="-342900" algn="l">
+              <a:buFont typeface="Arial" panose="020B0604020202020204" pitchFamily="34" charset="0"/>
+              <a:buChar char="•"/>
+            </a:pPr>
+            <a:endParaRPr lang="en-US" b="1" dirty="0"/>
+          </a:p>
+          <a:p>
+            <a:pPr marL="342900" indent="-342900" algn="l">
+              <a:buFont typeface="Arial" panose="020B0604020202020204" pitchFamily="34" charset="0"/>
+              <a:buChar char="•"/>
+            </a:pPr>
+            <a:r>
+              <a:rPr lang="en-US" dirty="0"/>
+              <a:t>Introduction: Parallelism = Opportunities + Challenges</a:t>
+            </a:r>
+          </a:p>
+          <a:p>
+            <a:pPr marL="800100" lvl="1" indent="-342900" algn="l">
+              <a:buFont typeface="Arial" panose="020B0604020202020204" pitchFamily="34" charset="0"/>
+              <a:buChar char="•"/>
+            </a:pPr>
+            <a:r>
+              <a:rPr lang="en-US" dirty="0"/>
+              <a:t>https://</a:t>
+            </a:r>
+            <a:r>
+              <a:rPr lang="en-US" dirty="0" err="1"/>
+              <a:t>courses.cs.washington.edu</a:t>
+            </a:r>
+            <a:r>
+              <a:rPr lang="en-US" dirty="0"/>
+              <a:t>/courses/csep524/07sp/poppChaper1.pdf</a:t>
+            </a:r>
+          </a:p>
+        </p:txBody>
+      </p:sp>
+    </p:spTree>
+    <p:extLst>
+      <p:ext uri="{BB962C8B-B14F-4D97-AF65-F5344CB8AC3E}">
+        <p14:creationId xmlns:p14="http://schemas.microsoft.com/office/powerpoint/2010/main" val="174078572"/>
       </p:ext>
     </p:extLst>
   </p:cSld>
@@ -9530,7 +9683,7 @@
         </p:spPr>
         <p:txBody>
           <a:bodyPr>
-            <a:normAutofit/>
+            <a:normAutofit lnSpcReduction="10000"/>
           </a:bodyPr>
           <a:lstStyle/>
           <a:p>
@@ -9564,12 +9717,20 @@
             </a:r>
           </a:p>
           <a:p>
+            <a:pPr algn="l"/>
+            <a:endParaRPr lang="en-US" dirty="0"/>
+          </a:p>
+          <a:p>
             <a:pPr marL="1257300" lvl="2" indent="-342900" algn="l">
               <a:buFont typeface="Arial" panose="020B0604020202020204" pitchFamily="34" charset="0"/>
               <a:buChar char="•"/>
             </a:pPr>
             <a:r>
-              <a:rPr lang="en-US" dirty="0"/>
+              <a:rPr lang="en-US" dirty="0">
+                <a:solidFill>
+                  <a:srgbClr val="0070C0"/>
+                </a:solidFill>
+              </a:rPr>
               <a:t>item-1: ice-cream</a:t>
             </a:r>
           </a:p>
@@ -9579,7 +9740,11 @@
               <a:buChar char="•"/>
             </a:pPr>
             <a:r>
-              <a:rPr lang="en-US" dirty="0"/>
+              <a:rPr lang="en-US" dirty="0">
+                <a:solidFill>
+                  <a:srgbClr val="0070C0"/>
+                </a:solidFill>
+              </a:rPr>
               <a:t>item-2: chips</a:t>
             </a:r>
           </a:p>
@@ -9589,7 +9754,11 @@
               <a:buChar char="•"/>
             </a:pPr>
             <a:r>
-              <a:rPr lang="en-US" dirty="0"/>
+              <a:rPr lang="en-US" dirty="0">
+                <a:solidFill>
+                  <a:srgbClr val="0070C0"/>
+                </a:solidFill>
+              </a:rPr>
               <a:t>item-3: oranges</a:t>
             </a:r>
           </a:p>
@@ -9599,7 +9768,11 @@
               <a:buChar char="•"/>
             </a:pPr>
             <a:r>
-              <a:rPr lang="en-US" dirty="0"/>
+              <a:rPr lang="en-US" dirty="0">
+                <a:solidFill>
+                  <a:srgbClr val="0070C0"/>
+                </a:solidFill>
+              </a:rPr>
               <a:t>item-4: cup cakes</a:t>
             </a:r>
           </a:p>
@@ -9609,7 +9782,11 @@
               <a:buChar char="•"/>
             </a:pPr>
             <a:r>
-              <a:rPr lang="en-US" dirty="0"/>
+              <a:rPr lang="en-US" dirty="0">
+                <a:solidFill>
+                  <a:srgbClr val="0070C0"/>
+                </a:solidFill>
+              </a:rPr>
               <a:t>…</a:t>
             </a:r>
           </a:p>
@@ -9619,7 +9796,11 @@
               <a:buChar char="•"/>
             </a:pPr>
             <a:r>
-              <a:rPr lang="en-US" dirty="0"/>
+              <a:rPr lang="en-US" dirty="0">
+                <a:solidFill>
+                  <a:srgbClr val="0070C0"/>
+                </a:solidFill>
+              </a:rPr>
               <a:t>item-1000: grapes</a:t>
             </a:r>
           </a:p>
@@ -9634,7 +9815,17 @@
             </a:pPr>
             <a:r>
               <a:rPr lang="en-US" dirty="0"/>
-              <a:t>How long will it take for Alex to buy all these 1000 items (assuming that he is the only person in grocery store)?</a:t>
+              <a:t>How long will it take for Alex to buy all these 1000 items </a:t>
+            </a:r>
+          </a:p>
+          <a:p>
+            <a:pPr marL="800100" lvl="1" indent="-342900" algn="l">
+              <a:buFont typeface="Arial" panose="020B0604020202020204" pitchFamily="34" charset="0"/>
+              <a:buChar char="•"/>
+            </a:pPr>
+            <a:r>
+              <a:rPr lang="en-US" dirty="0"/>
+              <a:t>assuming that he is the only person in grocery store?</a:t>
             </a:r>
           </a:p>
         </p:txBody>
